--- a/11 初轨确定和精密定轨原理.pptx
+++ b/11 初轨确定和精密定轨原理.pptx
@@ -233,7 +233,7 @@
           <a:p>
             <a:fld id="{26DDD1A4-63E9-4C41-BD0C-A6576214358F}" type="datetimeFigureOut">
               <a:rPr kumimoji="1" lang="zh-CN" altLang="en-US" smtClean="0"/>
-              <a:t>2023/8/7</a:t>
+              <a:t>2023/8/10</a:t>
             </a:fld>
             <a:endParaRPr kumimoji="1" lang="zh-CN" altLang="en-US"/>
           </a:p>
@@ -827,7 +827,7 @@
           <a:p>
             <a:fld id="{8664C608-40B1-4030-A28D-5B74BC98ADCE}" type="datetimeFigureOut">
               <a:rPr lang="en-US" smtClean="0"/>
-              <a:t>8/7/2023</a:t>
+              <a:t>8/10/2023</a:t>
             </a:fld>
             <a:endParaRPr lang="en-US" dirty="0"/>
           </a:p>
@@ -1389,7 +1389,7 @@
                   <a:latin typeface="微软雅黑" panose="020B0503020204020204" pitchFamily="34" charset="-122"/>
                   <a:ea typeface="微软雅黑" panose="020B0503020204020204" pitchFamily="34" charset="-122"/>
                 </a:rPr>
-                <a:t>12 </a:t>
+                <a:t>11 </a:t>
               </a:r>
               <a:r>
                 <a:rPr lang="zh-CN" altLang="en-US" sz="3600" b="1" dirty="0">

--- a/11 初轨确定和精密定轨原理.pptx
+++ b/11 初轨确定和精密定轨原理.pptx
@@ -5,7 +5,7 @@
     <p:sldMasterId id="2147483648" r:id="rId1"/>
   </p:sldMasterIdLst>
   <p:notesMasterIdLst>
-    <p:notesMasterId r:id="rId18"/>
+    <p:notesMasterId r:id="rId20"/>
   </p:notesMasterIdLst>
   <p:sldIdLst>
     <p:sldId id="287" r:id="rId2"/>
@@ -20,10 +20,12 @@
     <p:sldId id="308" r:id="rId11"/>
     <p:sldId id="317" r:id="rId12"/>
     <p:sldId id="321" r:id="rId13"/>
-    <p:sldId id="318" r:id="rId14"/>
-    <p:sldId id="309" r:id="rId15"/>
-    <p:sldId id="323" r:id="rId16"/>
-    <p:sldId id="301" r:id="rId17"/>
+    <p:sldId id="324" r:id="rId14"/>
+    <p:sldId id="318" r:id="rId15"/>
+    <p:sldId id="309" r:id="rId16"/>
+    <p:sldId id="323" r:id="rId17"/>
+    <p:sldId id="301" r:id="rId18"/>
+    <p:sldId id="325" r:id="rId19"/>
   </p:sldIdLst>
   <p:sldSz cx="12192000" cy="6858000"/>
   <p:notesSz cx="6858000" cy="9144000"/>
@@ -233,7 +235,7 @@
           <a:p>
             <a:fld id="{26DDD1A4-63E9-4C41-BD0C-A6576214358F}" type="datetimeFigureOut">
               <a:rPr kumimoji="1" lang="zh-CN" altLang="en-US" smtClean="0"/>
-              <a:t>2023/8/10</a:t>
+              <a:t>2023/8/20</a:t>
             </a:fld>
             <a:endParaRPr kumimoji="1" lang="zh-CN" altLang="en-US"/>
           </a:p>
@@ -827,7 +829,7 @@
           <a:p>
             <a:fld id="{8664C608-40B1-4030-A28D-5B74BC98ADCE}" type="datetimeFigureOut">
               <a:rPr lang="en-US" smtClean="0"/>
-              <a:t>8/10/2023</a:t>
+              <a:t>8/20/2023</a:t>
             </a:fld>
             <a:endParaRPr lang="en-US" dirty="0"/>
           </a:p>
@@ -2880,7 +2882,7 @@
           <p:nvPr>
             <p:extLst>
               <p:ext uri="{D42A27DB-BD31-4B8C-83A1-F6EECF244321}">
-                <p14:modId xmlns:p14="http://schemas.microsoft.com/office/powerpoint/2010/main" val="162036497"/>
+                <p14:modId xmlns:p14="http://schemas.microsoft.com/office/powerpoint/2010/main" val="2437080600"/>
               </p:ext>
             </p:extLst>
           </p:nvPr>
@@ -2893,12 +2895,12 @@
           <a:graphicData uri="http://schemas.openxmlformats.org/presentationml/2006/ole">
             <mc:AlternateContent xmlns:mc="http://schemas.openxmlformats.org/markup-compatibility/2006">
               <mc:Choice xmlns:v="urn:schemas-microsoft-com:vml" Requires="v">
-                <p:oleObj name="AxMath" r:id="rId2" imgW="3376080" imgH="365040" progId="Equation.AxMath">
+                <p:oleObj name="AxMath" r:id="rId2" imgW="3376080" imgH="364680" progId="Equation.AxMath">
                   <p:embed/>
                 </p:oleObj>
               </mc:Choice>
               <mc:Fallback>
-                <p:oleObj name="AxMath" r:id="rId2" imgW="3376080" imgH="365040" progId="Equation.AxMath">
+                <p:oleObj name="AxMath" r:id="rId2" imgW="3376080" imgH="364680" progId="Equation.AxMath">
                   <p:embed/>
                   <p:pic>
                     <p:nvPicPr>
@@ -3220,7 +3222,7 @@
         </p:nvSpPr>
         <p:spPr>
           <a:xfrm>
-            <a:off x="3852835" y="5005295"/>
+            <a:off x="3807852" y="5058704"/>
             <a:ext cx="4164015" cy="461665"/>
           </a:xfrm>
           <a:prstGeom prst="rect">
@@ -3341,13 +3343,13 @@
           <p:nvPr>
             <p:extLst>
               <p:ext uri="{D42A27DB-BD31-4B8C-83A1-F6EECF244321}">
-                <p14:modId xmlns:p14="http://schemas.microsoft.com/office/powerpoint/2010/main" val="3545883994"/>
+                <p14:modId xmlns:p14="http://schemas.microsoft.com/office/powerpoint/2010/main" val="1923039243"/>
               </p:ext>
             </p:extLst>
           </p:nvPr>
         </p:nvGraphicFramePr>
         <p:xfrm>
-          <a:off x="4840963" y="3824247"/>
+          <a:off x="4840963" y="3869217"/>
           <a:ext cx="631825" cy="708025"/>
         </p:xfrm>
         <a:graphic>
@@ -3381,7 +3383,7 @@
                     </p:blipFill>
                     <p:spPr>
                       <a:xfrm>
-                        <a:off x="4840963" y="3824247"/>
+                        <a:off x="4840963" y="3869217"/>
                         <a:ext cx="631825" cy="708025"/>
                       </a:xfrm>
                       <a:prstGeom prst="rect">
@@ -3410,13 +3412,13 @@
           <p:nvPr>
             <p:extLst>
               <p:ext uri="{D42A27DB-BD31-4B8C-83A1-F6EECF244321}">
-                <p14:modId xmlns:p14="http://schemas.microsoft.com/office/powerpoint/2010/main" val="1345526308"/>
+                <p14:modId xmlns:p14="http://schemas.microsoft.com/office/powerpoint/2010/main" val="1365081740"/>
               </p:ext>
             </p:extLst>
           </p:nvPr>
         </p:nvGraphicFramePr>
         <p:xfrm>
-          <a:off x="6143765" y="3786147"/>
+          <a:off x="6143765" y="3831117"/>
           <a:ext cx="1085850" cy="771525"/>
         </p:xfrm>
         <a:graphic>
@@ -3450,7 +3452,7 @@
                     </p:blipFill>
                     <p:spPr>
                       <a:xfrm>
-                        <a:off x="6143765" y="3786147"/>
+                        <a:off x="6143765" y="3831117"/>
                         <a:ext cx="1085850" cy="771525"/>
                       </a:xfrm>
                       <a:prstGeom prst="rect">
@@ -3478,7 +3480,7 @@
         </p:nvSpPr>
         <p:spPr>
           <a:xfrm>
-            <a:off x="4335252" y="4579956"/>
+            <a:off x="4335252" y="4624926"/>
             <a:ext cx="1643949" cy="369332"/>
           </a:xfrm>
           <a:prstGeom prst="rect">
@@ -3521,7 +3523,7 @@
         </p:nvSpPr>
         <p:spPr>
           <a:xfrm>
-            <a:off x="7577986" y="4579956"/>
+            <a:off x="7577986" y="4624926"/>
             <a:ext cx="1643949" cy="369332"/>
           </a:xfrm>
           <a:prstGeom prst="rect">
@@ -3564,7 +3566,7 @@
         </p:nvSpPr>
         <p:spPr>
           <a:xfrm>
-            <a:off x="5836484" y="4579956"/>
+            <a:off x="5836484" y="4624926"/>
             <a:ext cx="1643949" cy="369332"/>
           </a:xfrm>
           <a:prstGeom prst="rect">
@@ -3607,7 +3609,7 @@
         </p:nvSpPr>
         <p:spPr>
           <a:xfrm>
-            <a:off x="9417725" y="4579956"/>
+            <a:off x="9417725" y="4624926"/>
             <a:ext cx="1643949" cy="369332"/>
           </a:xfrm>
           <a:prstGeom prst="rect">
@@ -3651,13 +3653,13 @@
           <p:nvPr>
             <p:extLst>
               <p:ext uri="{D42A27DB-BD31-4B8C-83A1-F6EECF244321}">
-                <p14:modId xmlns:p14="http://schemas.microsoft.com/office/powerpoint/2010/main" val="2148070764"/>
+                <p14:modId xmlns:p14="http://schemas.microsoft.com/office/powerpoint/2010/main" val="2999662948"/>
               </p:ext>
             </p:extLst>
           </p:nvPr>
         </p:nvGraphicFramePr>
         <p:xfrm>
-          <a:off x="7719970" y="3253924"/>
+          <a:off x="7719970" y="3298894"/>
           <a:ext cx="1295400" cy="1377950"/>
         </p:xfrm>
         <a:graphic>
@@ -3691,7 +3693,7 @@
                     </p:blipFill>
                     <p:spPr>
                       <a:xfrm>
-                        <a:off x="7719970" y="3253924"/>
+                        <a:off x="7719970" y="3298894"/>
                         <a:ext cx="1295400" cy="1377950"/>
                       </a:xfrm>
                       <a:prstGeom prst="rect">
@@ -3720,13 +3722,13 @@
           <p:nvPr>
             <p:extLst>
               <p:ext uri="{D42A27DB-BD31-4B8C-83A1-F6EECF244321}">
-                <p14:modId xmlns:p14="http://schemas.microsoft.com/office/powerpoint/2010/main" val="1777084201"/>
+                <p14:modId xmlns:p14="http://schemas.microsoft.com/office/powerpoint/2010/main" val="1276779155"/>
               </p:ext>
             </p:extLst>
           </p:nvPr>
         </p:nvGraphicFramePr>
         <p:xfrm>
-          <a:off x="9603963" y="3224172"/>
+          <a:off x="9603963" y="3269142"/>
           <a:ext cx="1339850" cy="1377950"/>
         </p:xfrm>
         <a:graphic>
@@ -3760,7 +3762,7 @@
                     </p:blipFill>
                     <p:spPr>
                       <a:xfrm>
-                        <a:off x="9603963" y="3224172"/>
+                        <a:off x="9603963" y="3269142"/>
                         <a:ext cx="1339850" cy="1377950"/>
                       </a:xfrm>
                       <a:prstGeom prst="rect">
@@ -3789,25 +3791,25 @@
           <p:nvPr>
             <p:extLst>
               <p:ext uri="{D42A27DB-BD31-4B8C-83A1-F6EECF244321}">
-                <p14:modId xmlns:p14="http://schemas.microsoft.com/office/powerpoint/2010/main" val="1137163587"/>
+                <p14:modId xmlns:p14="http://schemas.microsoft.com/office/powerpoint/2010/main" val="3837148832"/>
               </p:ext>
             </p:extLst>
           </p:nvPr>
         </p:nvGraphicFramePr>
         <p:xfrm>
-          <a:off x="5082098" y="5538437"/>
-          <a:ext cx="3387725" cy="752475"/>
+          <a:off x="4840963" y="5586375"/>
+          <a:ext cx="2863850" cy="714375"/>
         </p:xfrm>
         <a:graphic>
           <a:graphicData uri="http://schemas.openxmlformats.org/presentationml/2006/ole">
             <mc:AlternateContent xmlns:mc="http://schemas.openxmlformats.org/markup-compatibility/2006">
               <mc:Choice xmlns:v="urn:schemas-microsoft-com:vml" Requires="v">
-                <p:oleObj name="AxMath" r:id="rId18" imgW="1693800" imgH="375480" progId="Equation.AxMath">
+                <p:oleObj name="AxMath" r:id="rId18" imgW="1432080" imgH="357120" progId="Equation.AxMath">
                   <p:embed/>
                 </p:oleObj>
               </mc:Choice>
               <mc:Fallback>
-                <p:oleObj name="AxMath" r:id="rId18" imgW="1693800" imgH="375480" progId="Equation.AxMath">
+                <p:oleObj name="AxMath" r:id="rId18" imgW="1432080" imgH="357120" progId="Equation.AxMath">
                   <p:embed/>
                   <p:pic>
                     <p:nvPicPr>
@@ -3829,8 +3831,8 @@
                     </p:blipFill>
                     <p:spPr>
                       <a:xfrm>
-                        <a:off x="5082098" y="5538437"/>
-                        <a:ext cx="3387725" cy="752475"/>
+                        <a:off x="4840963" y="5586375"/>
+                        <a:ext cx="2863850" cy="714375"/>
                       </a:xfrm>
                       <a:prstGeom prst="rect">
                         <a:avLst/>
@@ -5010,6 +5012,808 @@
         <p:spPr>
           <a:xfrm>
             <a:off x="407987" y="1052513"/>
+            <a:ext cx="11376025" cy="4632871"/>
+          </a:xfrm>
+          <a:prstGeom prst="rect">
+            <a:avLst/>
+          </a:prstGeom>
+        </p:spPr>
+        <p:txBody>
+          <a:bodyPr wrap="square">
+            <a:spAutoFit/>
+          </a:bodyPr>
+          <a:lstStyle/>
+          <a:p>
+            <a:pPr marL="342900" indent="-342900">
+              <a:lnSpc>
+                <a:spcPct val="150000"/>
+              </a:lnSpc>
+              <a:buFont typeface="Arial" panose="020B0604020202020204" pitchFamily="34" charset="0"/>
+              <a:buChar char="•"/>
+            </a:pPr>
+            <a:r>
+              <a:rPr lang="zh-CN" altLang="en-US" sz="2800" b="1" dirty="0">
+                <a:solidFill>
+                  <a:schemeClr val="tx1"/>
+                </a:solidFill>
+                <a:latin typeface="微软雅黑" panose="020B0503020204020204" pitchFamily="34" charset="-122"/>
+                <a:ea typeface="微软雅黑" panose="020B0503020204020204" pitchFamily="34" charset="-122"/>
+                <a:sym typeface="+mn-ea"/>
+              </a:rPr>
+              <a:t>测量矩阵</a:t>
+            </a:r>
+            <a:endParaRPr lang="en-US" altLang="zh-CN" sz="2400" b="1" dirty="0">
+              <a:solidFill>
+                <a:schemeClr val="tx1"/>
+              </a:solidFill>
+              <a:latin typeface="微软雅黑" panose="020B0503020204020204" pitchFamily="34" charset="-122"/>
+              <a:ea typeface="微软雅黑" panose="020B0503020204020204" pitchFamily="34" charset="-122"/>
+              <a:sym typeface="+mn-ea"/>
+            </a:endParaRPr>
+          </a:p>
+          <a:p>
+            <a:pPr marL="800100" lvl="1" indent="-342900">
+              <a:lnSpc>
+                <a:spcPct val="150000"/>
+              </a:lnSpc>
+              <a:buFont typeface="Arial" panose="020B0604020202020204" pitchFamily="34" charset="0"/>
+              <a:buChar char="•"/>
+            </a:pPr>
+            <a:r>
+              <a:rPr lang="zh-CN" altLang="en-US" sz="2400" b="1" dirty="0">
+                <a:latin typeface="Times New Roman" panose="02020603050405020304" pitchFamily="18" charset="0"/>
+                <a:ea typeface="微软雅黑" panose="020B0503020204020204" pitchFamily="34" charset="-122"/>
+                <a:cs typeface="Times New Roman" panose="02020603050405020304" pitchFamily="18" charset="0"/>
+              </a:rPr>
+              <a:t>测距资料</a:t>
+            </a:r>
+          </a:p>
+          <a:p>
+            <a:pPr marL="800100" lvl="1" indent="-342900">
+              <a:lnSpc>
+                <a:spcPct val="150000"/>
+              </a:lnSpc>
+              <a:buFont typeface="Arial" panose="020B0604020202020204" pitchFamily="34" charset="0"/>
+              <a:buChar char="•"/>
+            </a:pPr>
+            <a:endParaRPr lang="en-US" altLang="zh-CN" sz="2400" b="1" dirty="0">
+              <a:solidFill>
+                <a:schemeClr val="tx1"/>
+              </a:solidFill>
+              <a:latin typeface="微软雅黑" panose="020B0503020204020204" pitchFamily="34" charset="-122"/>
+              <a:ea typeface="微软雅黑" panose="020B0503020204020204" pitchFamily="34" charset="-122"/>
+              <a:sym typeface="+mn-ea"/>
+            </a:endParaRPr>
+          </a:p>
+          <a:p>
+            <a:pPr marL="800100" lvl="1" indent="-342900">
+              <a:lnSpc>
+                <a:spcPct val="150000"/>
+              </a:lnSpc>
+              <a:buFont typeface="Arial" panose="020B0604020202020204" pitchFamily="34" charset="0"/>
+              <a:buChar char="•"/>
+            </a:pPr>
+            <a:r>
+              <a:rPr lang="zh-CN" altLang="en-US" sz="2400" b="1" dirty="0">
+                <a:latin typeface="Times New Roman" panose="02020603050405020304" pitchFamily="18" charset="0"/>
+                <a:ea typeface="微软雅黑" panose="020B0503020204020204" pitchFamily="34" charset="-122"/>
+                <a:cs typeface="Times New Roman" panose="02020603050405020304" pitchFamily="18" charset="0"/>
+              </a:rPr>
+              <a:t>测速资料</a:t>
+            </a:r>
+          </a:p>
+          <a:p>
+            <a:pPr marL="800100" lvl="1" indent="-342900">
+              <a:lnSpc>
+                <a:spcPct val="150000"/>
+              </a:lnSpc>
+              <a:buFont typeface="Arial" panose="020B0604020202020204" pitchFamily="34" charset="0"/>
+              <a:buChar char="•"/>
+            </a:pPr>
+            <a:endParaRPr lang="en-US" altLang="zh-CN" sz="2400" b="1" dirty="0">
+              <a:solidFill>
+                <a:schemeClr val="tx1"/>
+              </a:solidFill>
+              <a:latin typeface="微软雅黑" panose="020B0503020204020204" pitchFamily="34" charset="-122"/>
+              <a:ea typeface="微软雅黑" panose="020B0503020204020204" pitchFamily="34" charset="-122"/>
+              <a:sym typeface="+mn-ea"/>
+            </a:endParaRPr>
+          </a:p>
+          <a:p>
+            <a:pPr marL="800100" lvl="1" indent="-342900">
+              <a:lnSpc>
+                <a:spcPct val="150000"/>
+              </a:lnSpc>
+              <a:buFont typeface="Arial" panose="020B0604020202020204" pitchFamily="34" charset="0"/>
+              <a:buChar char="•"/>
+            </a:pPr>
+            <a:endParaRPr lang="en-US" altLang="zh-CN" sz="2400" b="1" dirty="0">
+              <a:solidFill>
+                <a:schemeClr val="tx1"/>
+              </a:solidFill>
+              <a:latin typeface="微软雅黑" panose="020B0503020204020204" pitchFamily="34" charset="-122"/>
+              <a:ea typeface="微软雅黑" panose="020B0503020204020204" pitchFamily="34" charset="-122"/>
+              <a:sym typeface="+mn-ea"/>
+            </a:endParaRPr>
+          </a:p>
+          <a:p>
+            <a:pPr marL="800100" lvl="1" indent="-342900">
+              <a:lnSpc>
+                <a:spcPct val="150000"/>
+              </a:lnSpc>
+              <a:buFont typeface="Arial" panose="020B0604020202020204" pitchFamily="34" charset="0"/>
+              <a:buChar char="•"/>
+            </a:pPr>
+            <a:r>
+              <a:rPr lang="zh-CN" altLang="en-US" sz="2400" b="1" dirty="0">
+                <a:latin typeface="Times New Roman" panose="02020603050405020304" pitchFamily="18" charset="0"/>
+                <a:ea typeface="微软雅黑" panose="020B0503020204020204" pitchFamily="34" charset="-122"/>
+                <a:cs typeface="Times New Roman" panose="02020603050405020304" pitchFamily="18" charset="0"/>
+              </a:rPr>
+              <a:t>赤道测角资料</a:t>
+            </a:r>
+          </a:p>
+          <a:p>
+            <a:pPr marL="800100" lvl="1" indent="-342900">
+              <a:lnSpc>
+                <a:spcPct val="150000"/>
+              </a:lnSpc>
+              <a:buFont typeface="Arial" panose="020B0604020202020204" pitchFamily="34" charset="0"/>
+              <a:buChar char="•"/>
+            </a:pPr>
+            <a:endParaRPr lang="en-US" altLang="zh-CN" sz="2800" b="1" dirty="0">
+              <a:solidFill>
+                <a:schemeClr val="tx1"/>
+              </a:solidFill>
+              <a:latin typeface="微软雅黑" panose="020B0503020204020204" pitchFamily="34" charset="-122"/>
+              <a:ea typeface="微软雅黑" panose="020B0503020204020204" pitchFamily="34" charset="-122"/>
+              <a:sym typeface="+mn-ea"/>
+            </a:endParaRPr>
+          </a:p>
+        </p:txBody>
+      </p:sp>
+      <p:sp>
+        <p:nvSpPr>
+          <p:cNvPr id="5" name="灯片编号占位符 4"/>
+          <p:cNvSpPr>
+            <a:spLocks noGrp="1"/>
+          </p:cNvSpPr>
+          <p:nvPr>
+            <p:ph type="sldNum" sz="quarter" idx="4"/>
+          </p:nvPr>
+        </p:nvSpPr>
+        <p:spPr/>
+        <p:txBody>
+          <a:bodyPr/>
+          <a:lstStyle/>
+          <a:p>
+            <a:fld id="{5F1D8F20-F945-584B-B149-8CCFBEFE168A}" type="slidenum">
+              <a:rPr kumimoji="1" lang="zh-CN" altLang="en-US" smtClean="0"/>
+              <a:t>12</a:t>
+            </a:fld>
+            <a:endParaRPr kumimoji="1" lang="zh-CN" altLang="en-US"/>
+          </a:p>
+        </p:txBody>
+      </p:sp>
+      <p:sp>
+        <p:nvSpPr>
+          <p:cNvPr id="26" name="标题 1"/>
+          <p:cNvSpPr txBox="1"/>
+          <p:nvPr/>
+        </p:nvSpPr>
+        <p:spPr>
+          <a:xfrm>
+            <a:off x="0" y="0"/>
+            <a:ext cx="12187555" cy="711200"/>
+          </a:xfrm>
+          <a:prstGeom prst="rect">
+            <a:avLst/>
+          </a:prstGeom>
+          <a:noFill/>
+        </p:spPr>
+        <p:txBody>
+          <a:bodyPr vert="horz" lIns="91440" tIns="45720" rIns="91440" bIns="45720" rtlCol="0" anchor="ctr"/>
+          <a:lstStyle/>
+          <a:p>
+            <a:pPr marL="0" marR="0" lvl="0" indent="0" algn="ctr" defTabSz="914400" rtl="0" eaLnBrk="1" fontAlgn="base" latinLnBrk="0" hangingPunct="1">
+              <a:lnSpc>
+                <a:spcPct val="100000"/>
+              </a:lnSpc>
+              <a:spcBef>
+                <a:spcPct val="0"/>
+              </a:spcBef>
+              <a:spcAft>
+                <a:spcPct val="0"/>
+              </a:spcAft>
+              <a:buClrTx/>
+              <a:buSzTx/>
+              <a:buFontTx/>
+              <a:buNone/>
+              <a:defRPr/>
+            </a:pPr>
+            <a:r>
+              <a:rPr kumimoji="0" lang="zh-CN" altLang="en-US" sz="3200" b="1" i="0" u="none" strike="noStrike" kern="1200" cap="none" spc="0" normalizeH="0" baseline="0" noProof="0" dirty="0">
+                <a:ln>
+                  <a:noFill/>
+                </a:ln>
+                <a:solidFill>
+                  <a:schemeClr val="bg1"/>
+                </a:solidFill>
+                <a:effectLst/>
+                <a:uLnTx/>
+                <a:uFillTx/>
+                <a:latin typeface="微软雅黑" panose="020B0503020204020204" pitchFamily="34" charset="-122"/>
+                <a:ea typeface="微软雅黑" panose="020B0503020204020204" pitchFamily="34" charset="-122"/>
+                <a:cs typeface="+mj-cs"/>
+              </a:rPr>
+              <a:t>精密定轨原理</a:t>
+            </a:r>
+          </a:p>
+        </p:txBody>
+      </p:sp>
+      <p:pic>
+        <p:nvPicPr>
+          <p:cNvPr id="28" name="图形 27" descr="紧张的脸轮廓 纯色填充">
+            <a:extLst>
+              <a:ext uri="{FF2B5EF4-FFF2-40B4-BE49-F238E27FC236}">
+                <a16:creationId xmlns:a16="http://schemas.microsoft.com/office/drawing/2014/main" id="{BCB3097E-9146-3342-91CC-A611D0FB5027}"/>
+              </a:ext>
+            </a:extLst>
+          </p:cNvPr>
+          <p:cNvPicPr>
+            <a:picLocks noChangeAspect="1"/>
+          </p:cNvPicPr>
+          <p:nvPr/>
+        </p:nvPicPr>
+        <p:blipFill>
+          <a:blip r:embed="rId2">
+            <a:extLst>
+              <a:ext uri="{96DAC541-7B7A-43D3-8B79-37D633B846F1}">
+                <asvg:svgBlip xmlns:asvg="http://schemas.microsoft.com/office/drawing/2016/SVG/main" r:embed="rId3"/>
+              </a:ext>
+            </a:extLst>
+          </a:blip>
+          <a:stretch>
+            <a:fillRect/>
+          </a:stretch>
+        </p:blipFill>
+        <p:spPr>
+          <a:xfrm>
+            <a:off x="0" y="711200"/>
+            <a:ext cx="571360" cy="571360"/>
+          </a:xfrm>
+          <a:prstGeom prst="rect">
+            <a:avLst/>
+          </a:prstGeom>
+        </p:spPr>
+      </p:pic>
+      <p:graphicFrame>
+        <p:nvGraphicFramePr>
+          <p:cNvPr id="10" name="对象 9">
+            <a:extLst>
+              <a:ext uri="{FF2B5EF4-FFF2-40B4-BE49-F238E27FC236}">
+                <a16:creationId xmlns:a16="http://schemas.microsoft.com/office/drawing/2014/main" id="{3ED268B8-19F5-D4C6-1288-4F65D3ACC2B1}"/>
+              </a:ext>
+            </a:extLst>
+          </p:cNvPr>
+          <p:cNvGraphicFramePr>
+            <a:graphicFrameLocks noChangeAspect="1"/>
+          </p:cNvGraphicFramePr>
+          <p:nvPr>
+            <p:extLst>
+              <p:ext uri="{D42A27DB-BD31-4B8C-83A1-F6EECF244321}">
+                <p14:modId xmlns:p14="http://schemas.microsoft.com/office/powerpoint/2010/main" val="1192518704"/>
+              </p:ext>
+            </p:extLst>
+          </p:nvPr>
+        </p:nvGraphicFramePr>
+        <p:xfrm>
+          <a:off x="5788977" y="5097092"/>
+          <a:ext cx="5416550" cy="1377950"/>
+        </p:xfrm>
+        <a:graphic>
+          <a:graphicData uri="http://schemas.openxmlformats.org/presentationml/2006/ole">
+            <mc:AlternateContent xmlns:mc="http://schemas.openxmlformats.org/markup-compatibility/2006">
+              <mc:Choice xmlns:v="urn:schemas-microsoft-com:vml" Requires="v">
+                <p:oleObj name="AxMath" r:id="rId4" imgW="2708280" imgH="689040" progId="Equation.AxMath">
+                  <p:embed/>
+                </p:oleObj>
+              </mc:Choice>
+              <mc:Fallback>
+                <p:oleObj name="AxMath" r:id="rId4" imgW="2708280" imgH="689040" progId="Equation.AxMath">
+                  <p:embed/>
+                  <p:pic>
+                    <p:nvPicPr>
+                      <p:cNvPr id="16" name="对象 15">
+                        <a:extLst>
+                          <a:ext uri="{FF2B5EF4-FFF2-40B4-BE49-F238E27FC236}">
+                            <a16:creationId xmlns:a16="http://schemas.microsoft.com/office/drawing/2014/main" id="{3F392895-1735-5F40-0342-80DF75144CC4}"/>
+                          </a:ext>
+                        </a:extLst>
+                      </p:cNvPr>
+                      <p:cNvPicPr/>
+                      <p:nvPr/>
+                    </p:nvPicPr>
+                    <p:blipFill>
+                      <a:blip r:embed="rId5"/>
+                      <a:stretch>
+                        <a:fillRect/>
+                      </a:stretch>
+                    </p:blipFill>
+                    <p:spPr>
+                      <a:xfrm>
+                        <a:off x="5788977" y="5097092"/>
+                        <a:ext cx="5416550" cy="1377950"/>
+                      </a:xfrm>
+                      <a:prstGeom prst="rect">
+                        <a:avLst/>
+                      </a:prstGeom>
+                    </p:spPr>
+                  </p:pic>
+                </p:oleObj>
+              </mc:Fallback>
+            </mc:AlternateContent>
+          </a:graphicData>
+        </a:graphic>
+      </p:graphicFrame>
+      <p:graphicFrame>
+        <p:nvGraphicFramePr>
+          <p:cNvPr id="11" name="对象 10">
+            <a:extLst>
+              <a:ext uri="{FF2B5EF4-FFF2-40B4-BE49-F238E27FC236}">
+                <a16:creationId xmlns:a16="http://schemas.microsoft.com/office/drawing/2014/main" id="{22FD4D3D-00D0-6AF3-1FAB-C643D0A4CDF5}"/>
+              </a:ext>
+            </a:extLst>
+          </p:cNvPr>
+          <p:cNvGraphicFramePr>
+            <a:graphicFrameLocks noChangeAspect="1"/>
+          </p:cNvGraphicFramePr>
+          <p:nvPr>
+            <p:extLst>
+              <p:ext uri="{D42A27DB-BD31-4B8C-83A1-F6EECF244321}">
+                <p14:modId xmlns:p14="http://schemas.microsoft.com/office/powerpoint/2010/main" val="4062529571"/>
+              </p:ext>
+            </p:extLst>
+          </p:nvPr>
+        </p:nvGraphicFramePr>
+        <p:xfrm>
+          <a:off x="9885363" y="1282560"/>
+          <a:ext cx="1238250" cy="381000"/>
+        </p:xfrm>
+        <a:graphic>
+          <a:graphicData uri="http://schemas.openxmlformats.org/presentationml/2006/ole">
+            <mc:AlternateContent xmlns:mc="http://schemas.openxmlformats.org/markup-compatibility/2006">
+              <mc:Choice xmlns:v="urn:schemas-microsoft-com:vml" Requires="v">
+                <p:oleObj name="AxMath" r:id="rId6" imgW="618480" imgH="190800" progId="Equation.AxMath">
+                  <p:embed/>
+                </p:oleObj>
+              </mc:Choice>
+              <mc:Fallback>
+                <p:oleObj name="AxMath" r:id="rId6" imgW="618480" imgH="190800" progId="Equation.AxMath">
+                  <p:embed/>
+                  <p:pic>
+                    <p:nvPicPr>
+                      <p:cNvPr id="0" name=""/>
+                      <p:cNvPicPr/>
+                      <p:nvPr/>
+                    </p:nvPicPr>
+                    <p:blipFill>
+                      <a:blip r:embed="rId7"/>
+                      <a:stretch>
+                        <a:fillRect/>
+                      </a:stretch>
+                    </p:blipFill>
+                    <p:spPr>
+                      <a:xfrm>
+                        <a:off x="9885363" y="1282560"/>
+                        <a:ext cx="1238250" cy="381000"/>
+                      </a:xfrm>
+                      <a:prstGeom prst="rect">
+                        <a:avLst/>
+                      </a:prstGeom>
+                      <a:ln>
+                        <a:solidFill>
+                          <a:srgbClr val="FF0000"/>
+                        </a:solidFill>
+                      </a:ln>
+                    </p:spPr>
+                  </p:pic>
+                </p:oleObj>
+              </mc:Fallback>
+            </mc:AlternateContent>
+          </a:graphicData>
+        </a:graphic>
+      </p:graphicFrame>
+      <p:graphicFrame>
+        <p:nvGraphicFramePr>
+          <p:cNvPr id="14" name="对象 13">
+            <a:extLst>
+              <a:ext uri="{FF2B5EF4-FFF2-40B4-BE49-F238E27FC236}">
+                <a16:creationId xmlns:a16="http://schemas.microsoft.com/office/drawing/2014/main" id="{EF63ED71-43ED-5ADF-55D1-4B2A76755F03}"/>
+              </a:ext>
+            </a:extLst>
+          </p:cNvPr>
+          <p:cNvGraphicFramePr>
+            <a:graphicFrameLocks noChangeAspect="1"/>
+          </p:cNvGraphicFramePr>
+          <p:nvPr>
+            <p:extLst>
+              <p:ext uri="{D42A27DB-BD31-4B8C-83A1-F6EECF244321}">
+                <p14:modId xmlns:p14="http://schemas.microsoft.com/office/powerpoint/2010/main" val="1674120093"/>
+              </p:ext>
+            </p:extLst>
+          </p:nvPr>
+        </p:nvGraphicFramePr>
+        <p:xfrm>
+          <a:off x="1880332" y="5232030"/>
+          <a:ext cx="3152775" cy="1108075"/>
+        </p:xfrm>
+        <a:graphic>
+          <a:graphicData uri="http://schemas.openxmlformats.org/presentationml/2006/ole">
+            <mc:AlternateContent xmlns:mc="http://schemas.openxmlformats.org/markup-compatibility/2006">
+              <mc:Choice xmlns:v="urn:schemas-microsoft-com:vml" Requires="v">
+                <p:oleObj name="AxMath" r:id="rId8" imgW="1577160" imgH="554400" progId="Equation.AxMath">
+                  <p:embed/>
+                </p:oleObj>
+              </mc:Choice>
+              <mc:Fallback>
+                <p:oleObj name="AxMath" r:id="rId8" imgW="1577160" imgH="554400" progId="Equation.AxMath">
+                  <p:embed/>
+                  <p:pic>
+                    <p:nvPicPr>
+                      <p:cNvPr id="13" name="对象 12">
+                        <a:extLst>
+                          <a:ext uri="{FF2B5EF4-FFF2-40B4-BE49-F238E27FC236}">
+                            <a16:creationId xmlns:a16="http://schemas.microsoft.com/office/drawing/2014/main" id="{266C7E24-583C-0E9F-62B4-9FB36A1E524E}"/>
+                          </a:ext>
+                        </a:extLst>
+                      </p:cNvPr>
+                      <p:cNvPicPr/>
+                      <p:nvPr/>
+                    </p:nvPicPr>
+                    <p:blipFill>
+                      <a:blip r:embed="rId9"/>
+                      <a:stretch>
+                        <a:fillRect/>
+                      </a:stretch>
+                    </p:blipFill>
+                    <p:spPr>
+                      <a:xfrm>
+                        <a:off x="1880332" y="5232030"/>
+                        <a:ext cx="3152775" cy="1108075"/>
+                      </a:xfrm>
+                      <a:prstGeom prst="rect">
+                        <a:avLst/>
+                      </a:prstGeom>
+                    </p:spPr>
+                  </p:pic>
+                </p:oleObj>
+              </mc:Fallback>
+            </mc:AlternateContent>
+          </a:graphicData>
+        </a:graphic>
+      </p:graphicFrame>
+      <p:graphicFrame>
+        <p:nvGraphicFramePr>
+          <p:cNvPr id="15" name="对象 14">
+            <a:extLst>
+              <a:ext uri="{FF2B5EF4-FFF2-40B4-BE49-F238E27FC236}">
+                <a16:creationId xmlns:a16="http://schemas.microsoft.com/office/drawing/2014/main" id="{CE1EA6FF-CE79-0F1F-4821-AFAF17CB986E}"/>
+              </a:ext>
+            </a:extLst>
+          </p:cNvPr>
+          <p:cNvGraphicFramePr>
+            <a:graphicFrameLocks noChangeAspect="1"/>
+          </p:cNvGraphicFramePr>
+          <p:nvPr>
+            <p:extLst>
+              <p:ext uri="{D42A27DB-BD31-4B8C-83A1-F6EECF244321}">
+                <p14:modId xmlns:p14="http://schemas.microsoft.com/office/powerpoint/2010/main" val="3854162101"/>
+              </p:ext>
+            </p:extLst>
+          </p:nvPr>
+        </p:nvGraphicFramePr>
+        <p:xfrm>
+          <a:off x="2919413" y="1932112"/>
+          <a:ext cx="2343150" cy="708025"/>
+        </p:xfrm>
+        <a:graphic>
+          <a:graphicData uri="http://schemas.openxmlformats.org/presentationml/2006/ole">
+            <mc:AlternateContent xmlns:mc="http://schemas.openxmlformats.org/markup-compatibility/2006">
+              <mc:Choice xmlns:v="urn:schemas-microsoft-com:vml" Requires="v">
+                <p:oleObj name="AxMath" r:id="rId10" imgW="1171440" imgH="354240" progId="Equation.AxMath">
+                  <p:embed/>
+                </p:oleObj>
+              </mc:Choice>
+              <mc:Fallback>
+                <p:oleObj name="AxMath" r:id="rId10" imgW="1171440" imgH="354240" progId="Equation.AxMath">
+                  <p:embed/>
+                  <p:pic>
+                    <p:nvPicPr>
+                      <p:cNvPr id="10" name="对象 9">
+                        <a:extLst>
+                          <a:ext uri="{FF2B5EF4-FFF2-40B4-BE49-F238E27FC236}">
+                            <a16:creationId xmlns:a16="http://schemas.microsoft.com/office/drawing/2014/main" id="{AC94B064-27FB-BB6C-AAB4-347DA2ADD3DD}"/>
+                          </a:ext>
+                        </a:extLst>
+                      </p:cNvPr>
+                      <p:cNvPicPr/>
+                      <p:nvPr/>
+                    </p:nvPicPr>
+                    <p:blipFill>
+                      <a:blip r:embed="rId11"/>
+                      <a:stretch>
+                        <a:fillRect/>
+                      </a:stretch>
+                    </p:blipFill>
+                    <p:spPr>
+                      <a:xfrm>
+                        <a:off x="2919413" y="1932112"/>
+                        <a:ext cx="2343150" cy="708025"/>
+                      </a:xfrm>
+                      <a:prstGeom prst="rect">
+                        <a:avLst/>
+                      </a:prstGeom>
+                    </p:spPr>
+                  </p:pic>
+                </p:oleObj>
+              </mc:Fallback>
+            </mc:AlternateContent>
+          </a:graphicData>
+        </a:graphic>
+      </p:graphicFrame>
+      <p:graphicFrame>
+        <p:nvGraphicFramePr>
+          <p:cNvPr id="16" name="对象 15">
+            <a:extLst>
+              <a:ext uri="{FF2B5EF4-FFF2-40B4-BE49-F238E27FC236}">
+                <a16:creationId xmlns:a16="http://schemas.microsoft.com/office/drawing/2014/main" id="{86966B40-67E9-87C4-D0C1-A69AD5F31725}"/>
+              </a:ext>
+            </a:extLst>
+          </p:cNvPr>
+          <p:cNvGraphicFramePr>
+            <a:graphicFrameLocks noChangeAspect="1"/>
+          </p:cNvGraphicFramePr>
+          <p:nvPr>
+            <p:extLst>
+              <p:ext uri="{D42A27DB-BD31-4B8C-83A1-F6EECF244321}">
+                <p14:modId xmlns:p14="http://schemas.microsoft.com/office/powerpoint/2010/main" val="4057529924"/>
+              </p:ext>
+            </p:extLst>
+          </p:nvPr>
+        </p:nvGraphicFramePr>
+        <p:xfrm>
+          <a:off x="5719763" y="2984270"/>
+          <a:ext cx="4165600" cy="771525"/>
+        </p:xfrm>
+        <a:graphic>
+          <a:graphicData uri="http://schemas.openxmlformats.org/presentationml/2006/ole">
+            <mc:AlternateContent xmlns:mc="http://schemas.openxmlformats.org/markup-compatibility/2006">
+              <mc:Choice xmlns:v="urn:schemas-microsoft-com:vml" Requires="v">
+                <p:oleObj name="AxMath" r:id="rId12" imgW="2082960" imgH="385560" progId="Equation.AxMath">
+                  <p:embed/>
+                </p:oleObj>
+              </mc:Choice>
+              <mc:Fallback>
+                <p:oleObj name="AxMath" r:id="rId12" imgW="2082960" imgH="385560" progId="Equation.AxMath">
+                  <p:embed/>
+                  <p:pic>
+                    <p:nvPicPr>
+                      <p:cNvPr id="11" name="对象 10">
+                        <a:extLst>
+                          <a:ext uri="{FF2B5EF4-FFF2-40B4-BE49-F238E27FC236}">
+                            <a16:creationId xmlns:a16="http://schemas.microsoft.com/office/drawing/2014/main" id="{7558C764-8753-A840-E56A-A035FA21C42C}"/>
+                          </a:ext>
+                        </a:extLst>
+                      </p:cNvPr>
+                      <p:cNvPicPr/>
+                      <p:nvPr/>
+                    </p:nvPicPr>
+                    <p:blipFill>
+                      <a:blip r:embed="rId13"/>
+                      <a:stretch>
+                        <a:fillRect/>
+                      </a:stretch>
+                    </p:blipFill>
+                    <p:spPr>
+                      <a:xfrm>
+                        <a:off x="5719763" y="2984270"/>
+                        <a:ext cx="4165600" cy="771525"/>
+                      </a:xfrm>
+                      <a:prstGeom prst="rect">
+                        <a:avLst/>
+                      </a:prstGeom>
+                    </p:spPr>
+                  </p:pic>
+                </p:oleObj>
+              </mc:Fallback>
+            </mc:AlternateContent>
+          </a:graphicData>
+        </a:graphic>
+      </p:graphicFrame>
+      <p:graphicFrame>
+        <p:nvGraphicFramePr>
+          <p:cNvPr id="17" name="对象 16">
+            <a:extLst>
+              <a:ext uri="{FF2B5EF4-FFF2-40B4-BE49-F238E27FC236}">
+                <a16:creationId xmlns:a16="http://schemas.microsoft.com/office/drawing/2014/main" id="{F2BE6BC9-77A5-1DE0-A5D7-FD28D0AC3CDF}"/>
+              </a:ext>
+            </a:extLst>
+          </p:cNvPr>
+          <p:cNvGraphicFramePr>
+            <a:graphicFrameLocks noChangeAspect="1"/>
+          </p:cNvGraphicFramePr>
+          <p:nvPr>
+            <p:extLst>
+              <p:ext uri="{D42A27DB-BD31-4B8C-83A1-F6EECF244321}">
+                <p14:modId xmlns:p14="http://schemas.microsoft.com/office/powerpoint/2010/main" val="1096225753"/>
+              </p:ext>
+            </p:extLst>
+          </p:nvPr>
+        </p:nvGraphicFramePr>
+        <p:xfrm>
+          <a:off x="2029556" y="3346661"/>
+          <a:ext cx="2854325" cy="695325"/>
+        </p:xfrm>
+        <a:graphic>
+          <a:graphicData uri="http://schemas.openxmlformats.org/presentationml/2006/ole">
+            <mc:AlternateContent xmlns:mc="http://schemas.openxmlformats.org/markup-compatibility/2006">
+              <mc:Choice xmlns:v="urn:schemas-microsoft-com:vml" Requires="v">
+                <p:oleObj name="AxMath" r:id="rId14" imgW="1427400" imgH="347040" progId="Equation.AxMath">
+                  <p:embed/>
+                </p:oleObj>
+              </mc:Choice>
+              <mc:Fallback>
+                <p:oleObj name="AxMath" r:id="rId14" imgW="1427400" imgH="347040" progId="Equation.AxMath">
+                  <p:embed/>
+                  <p:pic>
+                    <p:nvPicPr>
+                      <p:cNvPr id="0" name=""/>
+                      <p:cNvPicPr/>
+                      <p:nvPr/>
+                    </p:nvPicPr>
+                    <p:blipFill>
+                      <a:blip r:embed="rId15"/>
+                      <a:stretch>
+                        <a:fillRect/>
+                      </a:stretch>
+                    </p:blipFill>
+                    <p:spPr>
+                      <a:xfrm>
+                        <a:off x="2029556" y="3346661"/>
+                        <a:ext cx="2854325" cy="695325"/>
+                      </a:xfrm>
+                      <a:prstGeom prst="rect">
+                        <a:avLst/>
+                      </a:prstGeom>
+                    </p:spPr>
+                  </p:pic>
+                </p:oleObj>
+              </mc:Fallback>
+            </mc:AlternateContent>
+          </a:graphicData>
+        </a:graphic>
+      </p:graphicFrame>
+      <p:graphicFrame>
+        <p:nvGraphicFramePr>
+          <p:cNvPr id="18" name="对象 17">
+            <a:extLst>
+              <a:ext uri="{FF2B5EF4-FFF2-40B4-BE49-F238E27FC236}">
+                <a16:creationId xmlns:a16="http://schemas.microsoft.com/office/drawing/2014/main" id="{1ED97634-A11B-B539-D511-05993D59CF3F}"/>
+              </a:ext>
+            </a:extLst>
+          </p:cNvPr>
+          <p:cNvGraphicFramePr>
+            <a:graphicFrameLocks noChangeAspect="1"/>
+          </p:cNvGraphicFramePr>
+          <p:nvPr>
+            <p:extLst>
+              <p:ext uri="{D42A27DB-BD31-4B8C-83A1-F6EECF244321}">
+                <p14:modId xmlns:p14="http://schemas.microsoft.com/office/powerpoint/2010/main" val="1914570133"/>
+              </p:ext>
+            </p:extLst>
+          </p:nvPr>
+        </p:nvGraphicFramePr>
+        <p:xfrm>
+          <a:off x="5719763" y="3758969"/>
+          <a:ext cx="2355850" cy="771525"/>
+        </p:xfrm>
+        <a:graphic>
+          <a:graphicData uri="http://schemas.openxmlformats.org/presentationml/2006/ole">
+            <mc:AlternateContent xmlns:mc="http://schemas.openxmlformats.org/markup-compatibility/2006">
+              <mc:Choice xmlns:v="urn:schemas-microsoft-com:vml" Requires="v">
+                <p:oleObj name="AxMath" r:id="rId16" imgW="1177560" imgH="385560" progId="Equation.AxMath">
+                  <p:embed/>
+                </p:oleObj>
+              </mc:Choice>
+              <mc:Fallback>
+                <p:oleObj name="AxMath" r:id="rId16" imgW="1177560" imgH="385560" progId="Equation.AxMath">
+                  <p:embed/>
+                  <p:pic>
+                    <p:nvPicPr>
+                      <p:cNvPr id="16" name="对象 15">
+                        <a:extLst>
+                          <a:ext uri="{FF2B5EF4-FFF2-40B4-BE49-F238E27FC236}">
+                            <a16:creationId xmlns:a16="http://schemas.microsoft.com/office/drawing/2014/main" id="{86966B40-67E9-87C4-D0C1-A69AD5F31725}"/>
+                          </a:ext>
+                        </a:extLst>
+                      </p:cNvPr>
+                      <p:cNvPicPr/>
+                      <p:nvPr/>
+                    </p:nvPicPr>
+                    <p:blipFill>
+                      <a:blip r:embed="rId17"/>
+                      <a:stretch>
+                        <a:fillRect/>
+                      </a:stretch>
+                    </p:blipFill>
+                    <p:spPr>
+                      <a:xfrm>
+                        <a:off x="5719763" y="3758969"/>
+                        <a:ext cx="2355850" cy="771525"/>
+                      </a:xfrm>
+                      <a:prstGeom prst="rect">
+                        <a:avLst/>
+                      </a:prstGeom>
+                    </p:spPr>
+                  </p:pic>
+                </p:oleObj>
+              </mc:Fallback>
+            </mc:AlternateContent>
+          </a:graphicData>
+        </a:graphic>
+      </p:graphicFrame>
+    </p:spTree>
+    <p:extLst>
+      <p:ext uri="{BB962C8B-B14F-4D97-AF65-F5344CB8AC3E}">
+        <p14:creationId xmlns:p14="http://schemas.microsoft.com/office/powerpoint/2010/main" val="3811461555"/>
+      </p:ext>
+    </p:extLst>
+  </p:cSld>
+  <p:clrMapOvr>
+    <a:masterClrMapping/>
+  </p:clrMapOvr>
+  <mc:AlternateContent xmlns:mc="http://schemas.openxmlformats.org/markup-compatibility/2006" xmlns:p159="http://schemas.microsoft.com/office/powerpoint/2015/09/main">
+    <mc:Choice Requires="p159">
+      <p:transition spd="slow">
+        <p159:morph option="byObject"/>
+      </p:transition>
+    </mc:Choice>
+    <mc:Fallback xmlns="">
+      <p:transition spd="slow">
+        <p:fade/>
+      </p:transition>
+    </mc:Fallback>
+  </mc:AlternateContent>
+</p:sld>
+</file>
+
+<file path=ppt/slides/slide13.xml><?xml version="1.0" encoding="utf-8"?>
+<p:sld xmlns:a="http://schemas.openxmlformats.org/drawingml/2006/main" xmlns:r="http://schemas.openxmlformats.org/officeDocument/2006/relationships" xmlns:p="http://schemas.openxmlformats.org/presentationml/2006/main">
+  <p:cSld>
+    <p:spTree>
+      <p:nvGrpSpPr>
+        <p:cNvPr id="1" name=""/>
+        <p:cNvGrpSpPr/>
+        <p:nvPr/>
+      </p:nvGrpSpPr>
+      <p:grpSpPr>
+        <a:xfrm>
+          <a:off x="0" y="0"/>
+          <a:ext cx="0" cy="0"/>
+          <a:chOff x="0" y="0"/>
+          <a:chExt cx="0" cy="0"/>
+        </a:xfrm>
+      </p:grpSpPr>
+      <p:sp>
+        <p:nvSpPr>
+          <p:cNvPr id="3" name="矩形 2"/>
+          <p:cNvSpPr/>
+          <p:nvPr/>
+        </p:nvSpPr>
+        <p:spPr>
+          <a:xfrm>
+            <a:off x="407987" y="1052513"/>
             <a:ext cx="11376025" cy="3857274"/>
           </a:xfrm>
           <a:prstGeom prst="rect">
@@ -5372,7 +6176,7 @@
           <a:p>
             <a:fld id="{5F1D8F20-F945-584B-B149-8CCFBEFE168A}" type="slidenum">
               <a:rPr kumimoji="1" lang="zh-CN" altLang="en-US" smtClean="0"/>
-              <a:t>12</a:t>
+              <a:t>13</a:t>
             </a:fld>
             <a:endParaRPr kumimoji="1" lang="zh-CN" altLang="en-US"/>
           </a:p>
@@ -5525,13 +6329,7 @@
           <p:cNvGraphicFramePr>
             <a:graphicFrameLocks noChangeAspect="1"/>
           </p:cNvGraphicFramePr>
-          <p:nvPr>
-            <p:extLst>
-              <p:ext uri="{D42A27DB-BD31-4B8C-83A1-F6EECF244321}">
-                <p14:modId xmlns:p14="http://schemas.microsoft.com/office/powerpoint/2010/main" val="3589484683"/>
-              </p:ext>
-            </p:extLst>
-          </p:nvPr>
+          <p:nvPr/>
         </p:nvGraphicFramePr>
         <p:xfrm>
           <a:off x="3540769" y="4275406"/>
@@ -5550,7 +6348,13 @@
                   <p:embed/>
                   <p:pic>
                     <p:nvPicPr>
-                      <p:cNvPr id="0" name=""/>
+                      <p:cNvPr id="4" name="对象 3">
+                        <a:extLst>
+                          <a:ext uri="{FF2B5EF4-FFF2-40B4-BE49-F238E27FC236}">
+                            <a16:creationId xmlns:a16="http://schemas.microsoft.com/office/drawing/2014/main" id="{BAFD839D-91BD-71CD-76C7-C71E4D0CA381}"/>
+                          </a:ext>
+                        </a:extLst>
+                      </p:cNvPr>
                       <p:cNvPicPr/>
                       <p:nvPr/>
                     </p:nvPicPr>
@@ -5588,13 +6392,7 @@
           <p:cNvGraphicFramePr>
             <a:graphicFrameLocks noChangeAspect="1"/>
           </p:cNvGraphicFramePr>
-          <p:nvPr>
-            <p:extLst>
-              <p:ext uri="{D42A27DB-BD31-4B8C-83A1-F6EECF244321}">
-                <p14:modId xmlns:p14="http://schemas.microsoft.com/office/powerpoint/2010/main" val="2637232065"/>
-              </p:ext>
-            </p:extLst>
-          </p:nvPr>
+          <p:nvPr/>
         </p:nvGraphicFramePr>
         <p:xfrm>
           <a:off x="4621857" y="5377150"/>
@@ -5613,7 +6411,13 @@
                   <p:embed/>
                   <p:pic>
                     <p:nvPicPr>
-                      <p:cNvPr id="0" name=""/>
+                      <p:cNvPr id="6" name="对象 5">
+                        <a:extLst>
+                          <a:ext uri="{FF2B5EF4-FFF2-40B4-BE49-F238E27FC236}">
+                            <a16:creationId xmlns:a16="http://schemas.microsoft.com/office/drawing/2014/main" id="{27CEAC93-1628-F301-6826-FA6B7A74D766}"/>
+                          </a:ext>
+                        </a:extLst>
+                      </p:cNvPr>
                       <p:cNvPicPr/>
                       <p:nvPr/>
                     </p:nvPicPr>
@@ -5651,13 +6455,7 @@
           <p:cNvGraphicFramePr>
             <a:graphicFrameLocks noChangeAspect="1"/>
           </p:cNvGraphicFramePr>
-          <p:nvPr>
-            <p:extLst>
-              <p:ext uri="{D42A27DB-BD31-4B8C-83A1-F6EECF244321}">
-                <p14:modId xmlns:p14="http://schemas.microsoft.com/office/powerpoint/2010/main" val="2370433049"/>
-              </p:ext>
-            </p:extLst>
-          </p:nvPr>
+          <p:nvPr/>
         </p:nvGraphicFramePr>
         <p:xfrm>
           <a:off x="2619339" y="1696950"/>
@@ -5676,10 +6474,10 @@
                   <p:embed/>
                   <p:pic>
                     <p:nvPicPr>
-                      <p:cNvPr id="6" name="对象 5">
+                      <p:cNvPr id="7" name="对象 6">
                         <a:extLst>
                           <a:ext uri="{FF2B5EF4-FFF2-40B4-BE49-F238E27FC236}">
-                            <a16:creationId xmlns:a16="http://schemas.microsoft.com/office/drawing/2014/main" id="{27CEAC93-1628-F301-6826-FA6B7A74D766}"/>
+                            <a16:creationId xmlns:a16="http://schemas.microsoft.com/office/drawing/2014/main" id="{E14E93F0-D6C8-AB88-81B5-2F8363DCCA58}"/>
                           </a:ext>
                         </a:extLst>
                       </p:cNvPr>
@@ -5720,13 +6518,7 @@
           <p:cNvGraphicFramePr>
             <a:graphicFrameLocks noChangeAspect="1"/>
           </p:cNvGraphicFramePr>
-          <p:nvPr>
-            <p:extLst>
-              <p:ext uri="{D42A27DB-BD31-4B8C-83A1-F6EECF244321}">
-                <p14:modId xmlns:p14="http://schemas.microsoft.com/office/powerpoint/2010/main" val="823425971"/>
-              </p:ext>
-            </p:extLst>
-          </p:nvPr>
+          <p:nvPr/>
         </p:nvGraphicFramePr>
         <p:xfrm>
           <a:off x="3904456" y="6052282"/>
@@ -5745,7 +6537,13 @@
                   <p:embed/>
                   <p:pic>
                     <p:nvPicPr>
-                      <p:cNvPr id="0" name=""/>
+                      <p:cNvPr id="8" name="对象 7">
+                        <a:extLst>
+                          <a:ext uri="{FF2B5EF4-FFF2-40B4-BE49-F238E27FC236}">
+                            <a16:creationId xmlns:a16="http://schemas.microsoft.com/office/drawing/2014/main" id="{C4749907-9F4D-7EAE-800E-CDA09F8A5232}"/>
+                          </a:ext>
+                        </a:extLst>
+                      </p:cNvPr>
                       <p:cNvPicPr/>
                       <p:nvPr/>
                     </p:nvPicPr>
@@ -5991,7 +6789,7 @@
     </p:spTree>
     <p:extLst>
       <p:ext uri="{BB962C8B-B14F-4D97-AF65-F5344CB8AC3E}">
-        <p14:creationId xmlns:p14="http://schemas.microsoft.com/office/powerpoint/2010/main" val="3811461555"/>
+        <p14:creationId xmlns:p14="http://schemas.microsoft.com/office/powerpoint/2010/main" val="2163682360"/>
       </p:ext>
     </p:extLst>
   </p:cSld>
@@ -6013,7 +6811,7 @@
 </p:sld>
 </file>
 
-<file path=ppt/slides/slide13.xml><?xml version="1.0" encoding="utf-8"?>
+<file path=ppt/slides/slide14.xml><?xml version="1.0" encoding="utf-8"?>
 <p:sld xmlns:a="http://schemas.openxmlformats.org/drawingml/2006/main" xmlns:r="http://schemas.openxmlformats.org/officeDocument/2006/relationships" xmlns:p="http://schemas.openxmlformats.org/presentationml/2006/main">
   <p:cSld>
     <p:spTree>
@@ -6595,7 +7393,7 @@
           <a:p>
             <a:fld id="{5F1D8F20-F945-584B-B149-8CCFBEFE168A}" type="slidenum">
               <a:rPr kumimoji="1" lang="zh-CN" altLang="en-US" smtClean="0"/>
-              <a:t>13</a:t>
+              <a:t>14</a:t>
             </a:fld>
             <a:endParaRPr kumimoji="1" lang="zh-CN" altLang="en-US"/>
           </a:p>
@@ -8009,7 +8807,7 @@
 </p:sld>
 </file>
 
-<file path=ppt/slides/slide14.xml><?xml version="1.0" encoding="utf-8"?>
+<file path=ppt/slides/slide15.xml><?xml version="1.0" encoding="utf-8"?>
 <p:sld xmlns:a="http://schemas.openxmlformats.org/drawingml/2006/main" xmlns:r="http://schemas.openxmlformats.org/officeDocument/2006/relationships" xmlns:p="http://schemas.openxmlformats.org/presentationml/2006/main">
   <p:cSld>
     <p:spTree>
@@ -8122,7 +8920,7 @@
           <a:p>
             <a:fld id="{5F1D8F20-F945-584B-B149-8CCFBEFE168A}" type="slidenum">
               <a:rPr kumimoji="1" lang="zh-CN" altLang="en-US" smtClean="0"/>
-              <a:t>14</a:t>
+              <a:t>15</a:t>
             </a:fld>
             <a:endParaRPr kumimoji="1" lang="zh-CN" altLang="en-US"/>
           </a:p>
@@ -8634,7 +9432,7 @@
 </p:sld>
 </file>
 
-<file path=ppt/slides/slide15.xml><?xml version="1.0" encoding="utf-8"?>
+<file path=ppt/slides/slide16.xml><?xml version="1.0" encoding="utf-8"?>
 <p:sld xmlns:a="http://schemas.openxmlformats.org/drawingml/2006/main" xmlns:r="http://schemas.openxmlformats.org/officeDocument/2006/relationships" xmlns:p="http://schemas.openxmlformats.org/presentationml/2006/main">
   <p:cSld>
     <p:spTree>
@@ -8893,7 +9691,7 @@
           <a:p>
             <a:fld id="{5F1D8F20-F945-584B-B149-8CCFBEFE168A}" type="slidenum">
               <a:rPr kumimoji="1" lang="zh-CN" altLang="en-US" smtClean="0"/>
-              <a:t>15</a:t>
+              <a:t>16</a:t>
             </a:fld>
             <a:endParaRPr kumimoji="1" lang="zh-CN" altLang="en-US"/>
           </a:p>
@@ -10382,7 +11180,183 @@
 </p:sld>
 </file>
 
-<file path=ppt/slides/slide16.xml><?xml version="1.0" encoding="utf-8"?>
+<file path=ppt/slides/slide17.xml><?xml version="1.0" encoding="utf-8"?>
+<p:sld xmlns:a="http://schemas.openxmlformats.org/drawingml/2006/main" xmlns:r="http://schemas.openxmlformats.org/officeDocument/2006/relationships" xmlns:p="http://schemas.openxmlformats.org/presentationml/2006/main">
+  <p:cSld>
+    <p:spTree>
+      <p:nvGrpSpPr>
+        <p:cNvPr id="1" name=""/>
+        <p:cNvGrpSpPr/>
+        <p:nvPr/>
+      </p:nvGrpSpPr>
+      <p:grpSpPr>
+        <a:xfrm>
+          <a:off x="0" y="0"/>
+          <a:ext cx="0" cy="0"/>
+          <a:chOff x="0" y="0"/>
+          <a:chExt cx="0" cy="0"/>
+        </a:xfrm>
+      </p:grpSpPr>
+      <p:sp>
+        <p:nvSpPr>
+          <p:cNvPr id="3" name="矩形 2"/>
+          <p:cNvSpPr/>
+          <p:nvPr/>
+        </p:nvSpPr>
+        <p:spPr>
+          <a:xfrm>
+            <a:off x="2521250" y="3202654"/>
+            <a:ext cx="7145054" cy="743986"/>
+          </a:xfrm>
+          <a:prstGeom prst="rect">
+            <a:avLst/>
+          </a:prstGeom>
+        </p:spPr>
+        <p:txBody>
+          <a:bodyPr wrap="square">
+            <a:spAutoFit/>
+          </a:bodyPr>
+          <a:lstStyle/>
+          <a:p>
+            <a:pPr algn="ctr">
+              <a:lnSpc>
+                <a:spcPct val="150000"/>
+              </a:lnSpc>
+            </a:pPr>
+            <a:r>
+              <a:rPr lang="zh-CN" altLang="en-US" sz="3200" b="1" dirty="0">
+                <a:latin typeface="微软雅黑" panose="020B0503020204020204" pitchFamily="34" charset="-122"/>
+                <a:ea typeface="微软雅黑" panose="020B0503020204020204" pitchFamily="34" charset="-122"/>
+                <a:sym typeface="+mn-ea"/>
+              </a:rPr>
+              <a:t>两套定轨细节将在第</a:t>
+            </a:r>
+            <a:r>
+              <a:rPr lang="en-US" altLang="zh-CN" sz="3200" b="1" dirty="0">
+                <a:latin typeface="微软雅黑" panose="020B0503020204020204" pitchFamily="34" charset="-122"/>
+                <a:ea typeface="微软雅黑" panose="020B0503020204020204" pitchFamily="34" charset="-122"/>
+                <a:sym typeface="+mn-ea"/>
+              </a:rPr>
+              <a:t>15</a:t>
+            </a:r>
+            <a:r>
+              <a:rPr lang="zh-CN" altLang="en-US" sz="3200" b="1" dirty="0">
+                <a:latin typeface="微软雅黑" panose="020B0503020204020204" pitchFamily="34" charset="-122"/>
+                <a:ea typeface="微软雅黑" panose="020B0503020204020204" pitchFamily="34" charset="-122"/>
+                <a:sym typeface="+mn-ea"/>
+              </a:rPr>
+              <a:t>节课回归</a:t>
+            </a:r>
+            <a:endParaRPr lang="en-US" altLang="zh-CN" sz="3200" b="1" dirty="0">
+              <a:latin typeface="微软雅黑" panose="020B0503020204020204" pitchFamily="34" charset="-122"/>
+              <a:ea typeface="微软雅黑" panose="020B0503020204020204" pitchFamily="34" charset="-122"/>
+              <a:sym typeface="+mn-ea"/>
+            </a:endParaRPr>
+          </a:p>
+        </p:txBody>
+      </p:sp>
+      <p:sp>
+        <p:nvSpPr>
+          <p:cNvPr id="5" name="灯片编号占位符 4"/>
+          <p:cNvSpPr>
+            <a:spLocks noGrp="1"/>
+          </p:cNvSpPr>
+          <p:nvPr>
+            <p:ph type="sldNum" sz="quarter" idx="4"/>
+          </p:nvPr>
+        </p:nvSpPr>
+        <p:spPr/>
+        <p:txBody>
+          <a:bodyPr/>
+          <a:lstStyle/>
+          <a:p>
+            <a:fld id="{5F1D8F20-F945-584B-B149-8CCFBEFE168A}" type="slidenum">
+              <a:rPr kumimoji="1" lang="zh-CN" altLang="en-US" smtClean="0"/>
+              <a:t>17</a:t>
+            </a:fld>
+            <a:endParaRPr kumimoji="1" lang="zh-CN" altLang="en-US"/>
+          </a:p>
+        </p:txBody>
+      </p:sp>
+      <p:sp>
+        <p:nvSpPr>
+          <p:cNvPr id="26" name="标题 1"/>
+          <p:cNvSpPr txBox="1"/>
+          <p:nvPr/>
+        </p:nvSpPr>
+        <p:spPr>
+          <a:xfrm>
+            <a:off x="0" y="0"/>
+            <a:ext cx="12187555" cy="711200"/>
+          </a:xfrm>
+          <a:prstGeom prst="rect">
+            <a:avLst/>
+          </a:prstGeom>
+          <a:noFill/>
+        </p:spPr>
+        <p:txBody>
+          <a:bodyPr vert="horz" lIns="91440" tIns="45720" rIns="91440" bIns="45720" rtlCol="0" anchor="ctr"/>
+          <a:lstStyle/>
+          <a:p>
+            <a:pPr marL="0" marR="0" lvl="0" indent="0" algn="ctr" defTabSz="914400" rtl="0" eaLnBrk="1" fontAlgn="base" latinLnBrk="0" hangingPunct="1">
+              <a:lnSpc>
+                <a:spcPct val="100000"/>
+              </a:lnSpc>
+              <a:spcBef>
+                <a:spcPct val="0"/>
+              </a:spcBef>
+              <a:spcAft>
+                <a:spcPct val="0"/>
+              </a:spcAft>
+              <a:buClrTx/>
+              <a:buSzTx/>
+              <a:buFontTx/>
+              <a:buNone/>
+              <a:defRPr/>
+            </a:pPr>
+            <a:endParaRPr kumimoji="0" lang="zh-CN" altLang="en-US" sz="3200" b="1" i="0" u="none" strike="noStrike" kern="1200" cap="none" spc="0" normalizeH="0" baseline="0" noProof="0" dirty="0">
+              <a:ln>
+                <a:noFill/>
+              </a:ln>
+              <a:solidFill>
+                <a:schemeClr val="bg1"/>
+              </a:solidFill>
+              <a:effectLst/>
+              <a:uLnTx/>
+              <a:uFillTx/>
+              <a:latin typeface="微软雅黑" panose="020B0503020204020204" pitchFamily="34" charset="-122"/>
+              <a:ea typeface="微软雅黑" panose="020B0503020204020204" pitchFamily="34" charset="-122"/>
+              <a:cs typeface="+mj-cs"/>
+            </a:endParaRPr>
+          </a:p>
+        </p:txBody>
+      </p:sp>
+    </p:spTree>
+    <p:extLst>
+      <p:ext uri="{BB962C8B-B14F-4D97-AF65-F5344CB8AC3E}">
+        <p14:creationId xmlns:p14="http://schemas.microsoft.com/office/powerpoint/2010/main" val="3425374246"/>
+      </p:ext>
+    </p:extLst>
+  </p:cSld>
+  <p:clrMapOvr>
+    <a:masterClrMapping/>
+  </p:clrMapOvr>
+  <mc:AlternateContent xmlns:mc="http://schemas.openxmlformats.org/markup-compatibility/2006">
+    <mc:Choice xmlns:p159="http://schemas.microsoft.com/office/powerpoint/2015/09/main" Requires="p159">
+      <p:transition xmlns:p14="http://schemas.microsoft.com/office/powerpoint/2010/main" spd="slow" p14:dur="2000">
+        <p159:morph option="byObject"/>
+      </p:transition>
+    </mc:Choice>
+    <mc:Fallback>
+      <p:transition spd="slow">
+        <p:fade/>
+      </p:transition>
+    </mc:Fallback>
+  </mc:AlternateContent>
+</p:sld>
+</file>
+
+<file path=ppt/slides/slide18.xml><?xml version="1.0" encoding="utf-8"?>
 <p:sld xmlns:a="http://schemas.openxmlformats.org/drawingml/2006/main" xmlns:r="http://schemas.openxmlformats.org/officeDocument/2006/relationships" xmlns:p="http://schemas.openxmlformats.org/presentationml/2006/main">
   <p:cSld>
     <p:spTree>
@@ -10820,7 +11794,7 @@
           <a:p>
             <a:fld id="{5F1D8F20-F945-584B-B149-8CCFBEFE168A}" type="slidenum">
               <a:rPr kumimoji="1" lang="zh-CN" altLang="en-US" smtClean="0"/>
-              <a:t>16</a:t>
+              <a:t>18</a:t>
             </a:fld>
             <a:endParaRPr kumimoji="1" lang="zh-CN" altLang="en-US"/>
           </a:p>
@@ -11103,7 +12077,7 @@
     </p:spTree>
     <p:extLst>
       <p:ext uri="{BB962C8B-B14F-4D97-AF65-F5344CB8AC3E}">
-        <p14:creationId xmlns:p14="http://schemas.microsoft.com/office/powerpoint/2010/main" val="3425374246"/>
+        <p14:creationId xmlns:p14="http://schemas.microsoft.com/office/powerpoint/2010/main" val="344103591"/>
       </p:ext>
     </p:extLst>
   </p:cSld>

--- a/11 初轨确定和精密定轨原理.pptx
+++ b/11 初轨确定和精密定轨原理.pptx
@@ -235,7 +235,7 @@
           <a:p>
             <a:fld id="{26DDD1A4-63E9-4C41-BD0C-A6576214358F}" type="datetimeFigureOut">
               <a:rPr kumimoji="1" lang="zh-CN" altLang="en-US" smtClean="0"/>
-              <a:t>2023/8/20</a:t>
+              <a:t>2023/10/26</a:t>
             </a:fld>
             <a:endParaRPr kumimoji="1" lang="zh-CN" altLang="en-US"/>
           </a:p>
@@ -829,7 +829,7 @@
           <a:p>
             <a:fld id="{8664C608-40B1-4030-A28D-5B74BC98ADCE}" type="datetimeFigureOut">
               <a:rPr lang="en-US" smtClean="0"/>
-              <a:t>8/20/2023</a:t>
+              <a:t>10/26/2023</a:t>
             </a:fld>
             <a:endParaRPr lang="en-US" dirty="0"/>
           </a:p>
@@ -6252,8 +6252,8 @@
         </p:nvSpPr>
         <p:spPr>
           <a:xfrm>
-            <a:off x="7392914" y="1633538"/>
-            <a:ext cx="4717806" cy="738664"/>
+            <a:off x="7392914" y="1742671"/>
+            <a:ext cx="4717806" cy="461665"/>
           </a:xfrm>
           <a:prstGeom prst="rect">
             <a:avLst/>
@@ -6299,21 +6299,6 @@
               <a:ea typeface="微软雅黑" panose="020B0503020204020204" pitchFamily="34" charset="-122"/>
               <a:cs typeface="Times New Roman" panose="02020603050405020304" pitchFamily="18" charset="0"/>
             </a:endParaRPr>
-          </a:p>
-          <a:p>
-            <a:pPr algn="ctr" fontAlgn="auto">
-              <a:spcAft>
-                <a:spcPts val="0"/>
-              </a:spcAft>
-            </a:pPr>
-            <a:r>
-              <a:rPr lang="zh-CN" altLang="en-US" b="1" dirty="0">
-                <a:latin typeface="Times New Roman" panose="02020603050405020304" pitchFamily="18" charset="0"/>
-                <a:ea typeface="微软雅黑" panose="020B0503020204020204" pitchFamily="34" charset="-122"/>
-                <a:cs typeface="Times New Roman" panose="02020603050405020304" pitchFamily="18" charset="0"/>
-              </a:rPr>
-              <a:t>（相关内容参见南京大学研究生课程）</a:t>
-            </a:r>
           </a:p>
         </p:txBody>
       </p:sp>
@@ -11341,13 +11326,13 @@
   <p:clrMapOvr>
     <a:masterClrMapping/>
   </p:clrMapOvr>
-  <mc:AlternateContent xmlns:mc="http://schemas.openxmlformats.org/markup-compatibility/2006">
-    <mc:Choice xmlns:p159="http://schemas.microsoft.com/office/powerpoint/2015/09/main" Requires="p159">
+  <mc:AlternateContent xmlns:mc="http://schemas.openxmlformats.org/markup-compatibility/2006" xmlns:p159="http://schemas.microsoft.com/office/powerpoint/2015/09/main">
+    <mc:Choice Requires="p159">
       <p:transition xmlns:p14="http://schemas.microsoft.com/office/powerpoint/2010/main" spd="slow" p14:dur="2000">
         <p159:morph option="byObject"/>
       </p:transition>
     </mc:Choice>
-    <mc:Fallback>
+    <mc:Fallback xmlns="">
       <p:transition spd="slow">
         <p:fade/>
       </p:transition>
